--- a/P3/P3.pptx
+++ b/P3/P3.pptx
@@ -112,6 +112,11 @@
       </a:defRPr>
     </a:lvl9pPr>
   </p:defaultTextStyle>
+  <p:extLst>
+    <p:ext uri="{EFAFB233-063F-42B5-8137-9DF3F51BA10A}">
+      <p15:sldGuideLst xmlns:p15="http://schemas.microsoft.com/office/powerpoint/2012/main"/>
+    </p:ext>
+  </p:extLst>
 </p:presentation>
 </file>
 
@@ -4501,11 +4506,11 @@
           <a:p>
             <a:r>
               <a:rPr lang="en-US" dirty="0"/>
-              <a:t>That you are familiar with </a:t>
-            </a:r>
-            <a:r>
-              <a:rPr lang="en-US" dirty="0" err="1"/>
-              <a:t>VisualStudio</a:t>
+              <a:t>That you are familiar </a:t>
+            </a:r>
+            <a:r>
+              <a:rPr lang="en-US"/>
+              <a:t>with Visual Studio</a:t>
             </a:r>
             <a:endParaRPr lang="en-US" dirty="0"/>
           </a:p>
@@ -4600,7 +4605,7 @@
           <a:p>
             <a:r>
               <a:rPr lang="en-US" dirty="0"/>
-              <a:t>That you apply stuff from lectures to this, e.g. how to measure performance</a:t>
+              <a:t>That you apply knowledge from lectures to this, e.g. how to measure performance</a:t>
             </a:r>
           </a:p>
           <a:p>
